--- a/introduction.pptx
+++ b/introduction.pptx
@@ -5,18 +5,17 @@
     <p:sldMasterId id="2147483648" r:id="rId1"/>
   </p:sldMasterIdLst>
   <p:notesMasterIdLst>
-    <p:notesMasterId r:id="rId11"/>
+    <p:notesMasterId r:id="rId10"/>
   </p:notesMasterIdLst>
   <p:sldIdLst>
-    <p:sldId id="297" r:id="rId2"/>
-    <p:sldId id="269" r:id="rId3"/>
-    <p:sldId id="291" r:id="rId4"/>
-    <p:sldId id="298" r:id="rId5"/>
-    <p:sldId id="310" r:id="rId6"/>
-    <p:sldId id="309" r:id="rId7"/>
-    <p:sldId id="311" r:id="rId8"/>
-    <p:sldId id="312" r:id="rId9"/>
-    <p:sldId id="313" r:id="rId10"/>
+    <p:sldId id="315" r:id="rId2"/>
+    <p:sldId id="317" r:id="rId3"/>
+    <p:sldId id="318" r:id="rId4"/>
+    <p:sldId id="291" r:id="rId5"/>
+    <p:sldId id="298" r:id="rId6"/>
+    <p:sldId id="310" r:id="rId7"/>
+    <p:sldId id="313" r:id="rId8"/>
+    <p:sldId id="316" r:id="rId9"/>
   </p:sldIdLst>
   <p:sldSz cx="9144000" cy="5143500" type="screen16x9"/>
   <p:notesSz cx="9144000" cy="6858000"/>
@@ -246,7 +245,7 @@
           <a:p>
             <a:fld id="{B0F426C9-EBE5-3743-A61B-9DDFFF30862E}" type="datetimeFigureOut">
               <a:rPr lang="de-DE" smtClean="0"/>
-              <a:t>15.09.2019</a:t>
+              <a:t>20.09.2019</a:t>
             </a:fld>
             <a:endParaRPr lang="de-DE"/>
           </a:p>
@@ -9319,14 +9318,14 @@
           </a:ln>
           <a:extLst>
             <a:ext uri="{909E8E84-426E-40dd-AFC4-6F175D3DCCD1}">
-              <a14:hiddenFill xmlns="" xmlns:a14="http://schemas.microsoft.com/office/drawing/2010/main">
+              <a14:hiddenFill xmlns:a14="http://schemas.microsoft.com/office/drawing/2010/main" xmlns="">
                 <a:solidFill>
                   <a:srgbClr val="FFFFFF"/>
                 </a:solidFill>
               </a14:hiddenFill>
             </a:ext>
             <a:ext uri="{91240B29-F687-4f45-9708-019B960494DF}">
-              <a14:hiddenLine xmlns="" xmlns:a14="http://schemas.microsoft.com/office/drawing/2010/main" w="9525">
+              <a14:hiddenLine xmlns:a14="http://schemas.microsoft.com/office/drawing/2010/main" xmlns="" w="9525">
                 <a:solidFill>
                   <a:srgbClr val="000000"/>
                 </a:solidFill>
@@ -9663,14 +9662,14 @@
           </a:ln>
           <a:extLst>
             <a:ext uri="{909E8E84-426E-40dd-AFC4-6F175D3DCCD1}">
-              <a14:hiddenFill xmlns="" xmlns:a14="http://schemas.microsoft.com/office/drawing/2010/main">
+              <a14:hiddenFill xmlns:a14="http://schemas.microsoft.com/office/drawing/2010/main" xmlns="">
                 <a:solidFill>
                   <a:srgbClr val="FFFFFF"/>
                 </a:solidFill>
               </a14:hiddenFill>
             </a:ext>
             <a:ext uri="{91240B29-F687-4f45-9708-019B960494DF}">
-              <a14:hiddenLine xmlns="" xmlns:a14="http://schemas.microsoft.com/office/drawing/2010/main" w="9525">
+              <a14:hiddenLine xmlns:a14="http://schemas.microsoft.com/office/drawing/2010/main" xmlns="" w="9525">
                 <a:solidFill>
                   <a:srgbClr val="000000"/>
                 </a:solidFill>
@@ -13396,7 +13395,6 @@
           <a:bodyPr/>
           <a:lstStyle/>
           <a:p>
-            <a:pPr algn="l"/>
             <a:r>
               <a:rPr lang="en-US" dirty="0"/>
               <a:t>Building R packages with </a:t>
@@ -13407,7 +13405,11 @@
             </a:r>
             <a:r>
               <a:rPr lang="en-US" dirty="0"/>
-              <a:t> and GitHub</a:t>
+              <a:t> and </a:t>
+            </a:r>
+            <a:r>
+              <a:rPr lang="en-US" dirty="0" smtClean="0"/>
+              <a:t>GitHub</a:t>
             </a:r>
             <a:endParaRPr lang="de-DE" dirty="0"/>
           </a:p>
@@ -13415,37 +13417,49 @@
       </p:sp>
       <p:sp>
         <p:nvSpPr>
-          <p:cNvPr id="3" name="Rectangle 2"/>
-          <p:cNvSpPr/>
+          <p:cNvPr id="3" name="TextBox 2"/>
+          <p:cNvSpPr txBox="1"/>
           <p:nvPr/>
         </p:nvSpPr>
         <p:spPr>
           <a:xfrm>
-            <a:off x="1224000" y="3271674"/>
-            <a:ext cx="1529586" cy="194349"/>
-          </a:xfrm>
-          <a:prstGeom prst="rect">
-            <a:avLst/>
-          </a:prstGeom>
-        </p:spPr>
-        <p:txBody>
-          <a:bodyPr wrap="none">
+            <a:off x="2292927" y="3369025"/>
+            <a:ext cx="4334841" cy="369332"/>
+          </a:xfrm>
+          <a:prstGeom prst="rect">
+            <a:avLst/>
+          </a:prstGeom>
+          <a:noFill/>
+        </p:spPr>
+        <p:txBody>
+          <a:bodyPr wrap="none" rtlCol="0">
             <a:spAutoFit/>
           </a:bodyPr>
           <a:lstStyle/>
           <a:p>
-            <a:r>
-              <a:rPr lang="en-US" sz="663" dirty="0">
+            <a:pPr algn="l"/>
+            <a:r>
+              <a:rPr lang="en-US" sz="1800" dirty="0" smtClean="0">
                 <a:solidFill>
-                  <a:schemeClr val="bg1"/>
+                  <a:schemeClr val="bg1">
+                    <a:lumMod val="65000"/>
+                  </a:schemeClr>
                 </a:solidFill>
+                <a:latin typeface="Verdana" panose="020B0604030504040204" pitchFamily="34" charset="0"/>
+                <a:ea typeface="Verdana" panose="020B0604030504040204" pitchFamily="34" charset="0"/>
+                <a:cs typeface="Verdana" panose="020B0604030504040204" pitchFamily="34" charset="0"/>
               </a:rPr>
               <a:t>Alexander Zizka &amp; Steffen Ehrmann</a:t>
             </a:r>
-            <a:endParaRPr lang="en-US" sz="663" dirty="0">
+            <a:endParaRPr lang="en-US" sz="1800" dirty="0">
               <a:solidFill>
-                <a:schemeClr val="bg1"/>
+                <a:schemeClr val="bg1">
+                  <a:lumMod val="65000"/>
+                </a:schemeClr>
               </a:solidFill>
+              <a:latin typeface="Verdana" panose="020B0604030504040204" pitchFamily="34" charset="0"/>
+              <a:ea typeface="Verdana" panose="020B0604030504040204" pitchFamily="34" charset="0"/>
+              <a:cs typeface="Verdana" panose="020B0604030504040204" pitchFamily="34" charset="0"/>
             </a:endParaRPr>
           </a:p>
         </p:txBody>
@@ -13453,7 +13467,7 @@
     </p:spTree>
     <p:extLst>
       <p:ext uri="{BB962C8B-B14F-4D97-AF65-F5344CB8AC3E}">
-        <p14:creationId xmlns:p14="http://schemas.microsoft.com/office/powerpoint/2010/main" val="4153866510"/>
+        <p14:creationId xmlns:p14="http://schemas.microsoft.com/office/powerpoint/2010/main" val="2130046371"/>
       </p:ext>
     </p:extLst>
   </p:cSld>
@@ -13489,6 +13503,29 @@
       </p:grpSpPr>
       <p:sp>
         <p:nvSpPr>
+          <p:cNvPr id="6" name="Text Placeholder 5"/>
+          <p:cNvSpPr>
+            <a:spLocks noGrp="1"/>
+          </p:cNvSpPr>
+          <p:nvPr>
+            <p:ph type="body" sz="quarter" idx="12"/>
+          </p:nvPr>
+        </p:nvSpPr>
+        <p:spPr/>
+        <p:txBody>
+          <a:bodyPr/>
+          <a:lstStyle/>
+          <a:p>
+            <a:r>
+              <a:rPr lang="en-US" dirty="0" smtClean="0"/>
+              <a:t>Welcome!</a:t>
+            </a:r>
+            <a:endParaRPr lang="en-US" dirty="0"/>
+          </a:p>
+        </p:txBody>
+      </p:sp>
+      <p:sp>
+        <p:nvSpPr>
           <p:cNvPr id="2" name="Foliennummernplatzhalter 1">
             <a:extLst>
               <a:ext uri="{FF2B5EF4-FFF2-40B4-BE49-F238E27FC236}">
@@ -13500,10 +13537,15 @@
             <a:spLocks noGrp="1"/>
           </p:cNvSpPr>
           <p:nvPr>
-            <p:ph type="sldNum" sz="quarter" idx="10"/>
-          </p:nvPr>
-        </p:nvSpPr>
-        <p:spPr/>
+            <p:ph type="sldNum" sz="quarter" idx="4294967295"/>
+          </p:nvPr>
+        </p:nvSpPr>
+        <p:spPr>
+          <a:xfrm>
+            <a:off x="7943850" y="4679950"/>
+            <a:ext cx="1200150" cy="274638"/>
+          </a:xfrm>
+        </p:spPr>
         <p:txBody>
           <a:bodyPr/>
           <a:lstStyle/>
@@ -13517,118 +13559,10 @@
           </a:p>
         </p:txBody>
       </p:sp>
-      <p:sp>
-        <p:nvSpPr>
-          <p:cNvPr id="3" name="Textplatzhalter 2">
-            <a:extLst>
-              <a:ext uri="{FF2B5EF4-FFF2-40B4-BE49-F238E27FC236}">
-                <a16:creationId xmlns:a16="http://schemas.microsoft.com/office/drawing/2014/main" id="{57E923F8-5CFF-3347-ACB7-7478B6D4BB6E}"/>
-              </a:ext>
-            </a:extLst>
-          </p:cNvPr>
-          <p:cNvSpPr>
-            <a:spLocks noGrp="1"/>
-          </p:cNvSpPr>
-          <p:nvPr>
-            <p:ph type="body" sz="quarter" idx="17"/>
-          </p:nvPr>
-        </p:nvSpPr>
-        <p:spPr/>
-        <p:txBody>
-          <a:bodyPr/>
-          <a:lstStyle/>
-          <a:p>
-            <a:r>
-              <a:rPr lang="en-US" sz="3200" dirty="0"/>
-              <a:t>The basics</a:t>
-            </a:r>
-            <a:endParaRPr lang="de-DE" sz="3200" dirty="0"/>
-          </a:p>
-        </p:txBody>
-      </p:sp>
-      <p:sp>
-        <p:nvSpPr>
-          <p:cNvPr id="4" name="Textplatzhalter 3">
-            <a:extLst>
-              <a:ext uri="{FF2B5EF4-FFF2-40B4-BE49-F238E27FC236}">
-                <a16:creationId xmlns:a16="http://schemas.microsoft.com/office/drawing/2014/main" id="{3CE0DFEF-2098-294D-A052-7E066037F4A0}"/>
-              </a:ext>
-            </a:extLst>
-          </p:cNvPr>
-          <p:cNvSpPr>
-            <a:spLocks noGrp="1"/>
-          </p:cNvSpPr>
-          <p:nvPr>
-            <p:ph type="body" sz="quarter" idx="18"/>
-          </p:nvPr>
-        </p:nvSpPr>
-        <p:spPr/>
-        <p:txBody>
-          <a:bodyPr/>
-          <a:lstStyle/>
-          <a:p>
-            <a:pPr marL="0" indent="0">
-              <a:buNone/>
-            </a:pPr>
-            <a:r>
-              <a:rPr lang="en-US" sz="2400" dirty="0"/>
-              <a:t>Course time: 9:30 – 18:00</a:t>
-            </a:r>
-          </a:p>
-          <a:p>
-            <a:pPr marL="0" indent="0">
-              <a:buNone/>
-            </a:pPr>
-            <a:r>
-              <a:rPr lang="en-US" sz="2400" dirty="0"/>
-              <a:t>Location: iDiv, Interim III, Metamorphosis</a:t>
-            </a:r>
-          </a:p>
-          <a:p>
-            <a:pPr marL="0" indent="0">
-              <a:buNone/>
-            </a:pPr>
-            <a:r>
-              <a:rPr lang="en-US" sz="2400" dirty="0" err="1"/>
-              <a:t>Wifi</a:t>
-            </a:r>
-            <a:r>
-              <a:rPr lang="en-US" sz="2400" dirty="0"/>
-              <a:t>: </a:t>
-            </a:r>
-            <a:r>
-              <a:rPr lang="en-US" sz="2400" dirty="0" err="1"/>
-              <a:t>eduroam</a:t>
-            </a:r>
-            <a:endParaRPr lang="en-US" sz="2400" dirty="0"/>
-          </a:p>
-          <a:p>
-            <a:pPr marL="0" indent="0">
-              <a:buNone/>
-            </a:pPr>
-            <a:r>
-              <a:rPr lang="en-US" sz="2400" dirty="0"/>
-              <a:t>Lunch break: 12:00</a:t>
-            </a:r>
-          </a:p>
-          <a:p>
-            <a:pPr marL="0" indent="0">
-              <a:buNone/>
-            </a:pPr>
-            <a:r>
-              <a:rPr lang="en-US" sz="2400" dirty="0"/>
-              <a:t>One Credit point and a course certificate</a:t>
-            </a:r>
-          </a:p>
-          <a:p>
-            <a:endParaRPr lang="de-DE" dirty="0"/>
-          </a:p>
-        </p:txBody>
-      </p:sp>
     </p:spTree>
     <p:extLst>
       <p:ext uri="{BB962C8B-B14F-4D97-AF65-F5344CB8AC3E}">
-        <p14:creationId xmlns:p14="http://schemas.microsoft.com/office/powerpoint/2010/main" val="4257113537"/>
+        <p14:creationId xmlns:p14="http://schemas.microsoft.com/office/powerpoint/2010/main" val="3276162725"/>
       </p:ext>
     </p:extLst>
   </p:cSld>
@@ -13664,7 +13598,13 @@
       </p:grpSpPr>
       <p:sp>
         <p:nvSpPr>
-          <p:cNvPr id="2" name="Slide Number Placeholder 1"/>
+          <p:cNvPr id="2" name="Foliennummernplatzhalter 1">
+            <a:extLst>
+              <a:ext uri="{FF2B5EF4-FFF2-40B4-BE49-F238E27FC236}">
+                <a16:creationId xmlns:a16="http://schemas.microsoft.com/office/drawing/2014/main" id="{8F697C47-A182-C146-BC1E-03C534FD55B8}"/>
+              </a:ext>
+            </a:extLst>
+          </p:cNvPr>
           <p:cNvSpPr>
             <a:spLocks noGrp="1"/>
           </p:cNvSpPr>
@@ -13688,7 +13628,13 @@
       </p:sp>
       <p:sp>
         <p:nvSpPr>
-          <p:cNvPr id="5" name="Text Placeholder 4"/>
+          <p:cNvPr id="3" name="Textplatzhalter 2">
+            <a:extLst>
+              <a:ext uri="{FF2B5EF4-FFF2-40B4-BE49-F238E27FC236}">
+                <a16:creationId xmlns:a16="http://schemas.microsoft.com/office/drawing/2014/main" id="{57E923F8-5CFF-3347-ACB7-7478B6D4BB6E}"/>
+              </a:ext>
+            </a:extLst>
+          </p:cNvPr>
           <p:cNvSpPr>
             <a:spLocks noGrp="1"/>
           </p:cNvSpPr>
@@ -13702,21 +13648,27 @@
           <a:lstStyle/>
           <a:p>
             <a:r>
-              <a:rPr lang="en-US" dirty="0" smtClean="0"/>
-              <a:t>A</a:t>
-            </a:r>
-            <a:endParaRPr lang="en-US" dirty="0"/>
-          </a:p>
-        </p:txBody>
-      </p:sp>
-      <p:sp>
-        <p:nvSpPr>
-          <p:cNvPr id="7" name="Text Placeholder 6"/>
-          <p:cNvSpPr>
-            <a:spLocks noGrp="1"/>
-          </p:cNvSpPr>
-          <p:nvPr>
-            <p:ph type="body" sz="quarter" idx="22"/>
+              <a:rPr lang="en-US" sz="3200" dirty="0"/>
+              <a:t>The basics</a:t>
+            </a:r>
+            <a:endParaRPr lang="de-DE" sz="3200" dirty="0"/>
+          </a:p>
+        </p:txBody>
+      </p:sp>
+      <p:sp>
+        <p:nvSpPr>
+          <p:cNvPr id="4" name="Textplatzhalter 3">
+            <a:extLst>
+              <a:ext uri="{FF2B5EF4-FFF2-40B4-BE49-F238E27FC236}">
+                <a16:creationId xmlns:a16="http://schemas.microsoft.com/office/drawing/2014/main" id="{3CE0DFEF-2098-294D-A052-7E066037F4A0}"/>
+              </a:ext>
+            </a:extLst>
+          </p:cNvPr>
+          <p:cNvSpPr>
+            <a:spLocks noGrp="1"/>
+          </p:cNvSpPr>
+          <p:nvPr>
+            <p:ph type="body" sz="quarter" idx="18"/>
           </p:nvPr>
         </p:nvSpPr>
         <p:spPr/>
@@ -13724,9 +13676,290 @@
           <a:bodyPr/>
           <a:lstStyle/>
           <a:p>
+            <a:pPr marL="0" indent="0">
+              <a:lnSpc>
+                <a:spcPct val="150000"/>
+              </a:lnSpc>
+              <a:buNone/>
+            </a:pPr>
+            <a:r>
+              <a:rPr lang="en-US" sz="2400" dirty="0"/>
+              <a:t>Course time: 9:30 – 18:00</a:t>
+            </a:r>
+          </a:p>
+          <a:p>
+            <a:pPr marL="0" indent="0">
+              <a:lnSpc>
+                <a:spcPct val="150000"/>
+              </a:lnSpc>
+              <a:buNone/>
+            </a:pPr>
+            <a:r>
+              <a:rPr lang="en-US" sz="2400" dirty="0" smtClean="0"/>
+              <a:t>Location: iDiv</a:t>
+            </a:r>
+            <a:r>
+              <a:rPr lang="en-US" sz="2400" dirty="0"/>
+              <a:t>, Interim III, Metamorphosis</a:t>
+            </a:r>
+          </a:p>
+          <a:p>
+            <a:pPr marL="0" indent="0">
+              <a:lnSpc>
+                <a:spcPct val="150000"/>
+              </a:lnSpc>
+              <a:buNone/>
+            </a:pPr>
+            <a:r>
+              <a:rPr lang="en-US" sz="2400" dirty="0" err="1"/>
+              <a:t>Wifi</a:t>
+            </a:r>
+            <a:r>
+              <a:rPr lang="en-US" sz="2400" dirty="0" smtClean="0"/>
+              <a:t>: </a:t>
+            </a:r>
+            <a:r>
+              <a:rPr lang="en-US" sz="2400" dirty="0" err="1" smtClean="0"/>
+              <a:t>eduroam</a:t>
+            </a:r>
+            <a:endParaRPr lang="en-US" sz="2400" dirty="0"/>
+          </a:p>
+          <a:p>
+            <a:pPr marL="0" indent="0">
+              <a:lnSpc>
+                <a:spcPct val="150000"/>
+              </a:lnSpc>
+              <a:buNone/>
+            </a:pPr>
+            <a:r>
+              <a:rPr lang="en-US" sz="2400" dirty="0"/>
+              <a:t>Lunch break</a:t>
+            </a:r>
+            <a:r>
+              <a:rPr lang="en-US" sz="2400" dirty="0" smtClean="0"/>
+              <a:t>: 12:00</a:t>
+            </a:r>
+            <a:endParaRPr lang="en-US" sz="2400" dirty="0"/>
+          </a:p>
+          <a:p>
+            <a:pPr marL="0" indent="0">
+              <a:lnSpc>
+                <a:spcPct val="150000"/>
+              </a:lnSpc>
+              <a:buNone/>
+            </a:pPr>
+            <a:r>
+              <a:rPr lang="en-US" sz="2400" dirty="0"/>
+              <a:t>One Credit point and a course certificate</a:t>
+            </a:r>
+          </a:p>
+          <a:p>
+            <a:endParaRPr lang="de-DE" dirty="0"/>
+          </a:p>
+        </p:txBody>
+      </p:sp>
+    </p:spTree>
+    <p:extLst>
+      <p:ext uri="{BB962C8B-B14F-4D97-AF65-F5344CB8AC3E}">
+        <p14:creationId xmlns:p14="http://schemas.microsoft.com/office/powerpoint/2010/main" val="3461973604"/>
+      </p:ext>
+    </p:extLst>
+  </p:cSld>
+  <p:clrMapOvr>
+    <a:masterClrMapping/>
+  </p:clrMapOvr>
+  <p:timing>
+    <p:tnLst>
+      <p:par>
+        <p:cTn id="1" dur="indefinite" restart="never" nodeType="tmRoot"/>
+      </p:par>
+    </p:tnLst>
+  </p:timing>
+</p:sld>
+</file>
+
+<file path=ppt/slides/slide4.xml><?xml version="1.0" encoding="utf-8"?>
+<p:sld xmlns:a="http://schemas.openxmlformats.org/drawingml/2006/main" xmlns:r="http://schemas.openxmlformats.org/officeDocument/2006/relationships" xmlns:p="http://schemas.openxmlformats.org/presentationml/2006/main">
+  <p:cSld>
+    <p:spTree>
+      <p:nvGrpSpPr>
+        <p:cNvPr id="1" name=""/>
+        <p:cNvGrpSpPr/>
+        <p:nvPr/>
+      </p:nvGrpSpPr>
+      <p:grpSpPr>
+        <a:xfrm>
+          <a:off x="0" y="0"/>
+          <a:ext cx="0" cy="0"/>
+          <a:chOff x="0" y="0"/>
+          <a:chExt cx="0" cy="0"/>
+        </a:xfrm>
+      </p:grpSpPr>
+      <p:sp>
+        <p:nvSpPr>
+          <p:cNvPr id="2" name="Slide Number Placeholder 1"/>
+          <p:cNvSpPr>
+            <a:spLocks noGrp="1"/>
+          </p:cNvSpPr>
+          <p:nvPr>
+            <p:ph type="sldNum" sz="quarter" idx="10"/>
+          </p:nvPr>
+        </p:nvSpPr>
+        <p:spPr/>
+        <p:txBody>
+          <a:bodyPr/>
+          <a:lstStyle/>
+          <a:p>
+            <a:fld id="{4C9BCB9A-1FC9-B141-82B1-F720E2D6C81A}" type="slidenum">
+              <a:rPr lang="de-DE" smtClean="0"/>
+              <a:pPr/>
+              <a:t>4</a:t>
+            </a:fld>
+            <a:endParaRPr lang="de-DE" dirty="0"/>
+          </a:p>
+        </p:txBody>
+      </p:sp>
+      <p:sp>
+        <p:nvSpPr>
+          <p:cNvPr id="5" name="Text Placeholder 4"/>
+          <p:cNvSpPr>
+            <a:spLocks noGrp="1"/>
+          </p:cNvSpPr>
+          <p:nvPr>
+            <p:ph type="body" sz="quarter" idx="17"/>
+          </p:nvPr>
+        </p:nvSpPr>
+        <p:spPr/>
+        <p:txBody>
+          <a:bodyPr/>
+          <a:lstStyle/>
+          <a:p>
+            <a:r>
+              <a:rPr lang="en-US" sz="1600" dirty="0" smtClean="0"/>
+              <a:t>Tuesday</a:t>
+            </a:r>
+          </a:p>
+          <a:p>
+            <a:endParaRPr lang="en-US" sz="800" dirty="0" smtClean="0"/>
+          </a:p>
+          <a:p>
+            <a:r>
+              <a:rPr lang="en-US" sz="1600" b="0" dirty="0" smtClean="0"/>
+              <a:t>9:30 </a:t>
+            </a:r>
+            <a:r>
+              <a:rPr lang="en-US" sz="1600" b="0" dirty="0"/>
+              <a:t>Project </a:t>
+            </a:r>
+            <a:r>
+              <a:rPr lang="en-US" sz="1600" b="0" dirty="0" smtClean="0"/>
+              <a:t>work</a:t>
+            </a:r>
+          </a:p>
+          <a:p>
+            <a:endParaRPr lang="en-US" sz="400" b="0" dirty="0"/>
+          </a:p>
+          <a:p>
+            <a:r>
+              <a:rPr lang="en-US" sz="1600" b="0" dirty="0" smtClean="0"/>
+              <a:t>11:15 </a:t>
+            </a:r>
+            <a:r>
+              <a:rPr lang="en-US" sz="1600" b="0" dirty="0"/>
+              <a:t>Lecture: "Package </a:t>
+            </a:r>
+            <a:r>
+              <a:rPr lang="en-US" sz="1600" b="0" dirty="0" smtClean="0"/>
+              <a:t>testing“</a:t>
+            </a:r>
+          </a:p>
+          <a:p>
+            <a:endParaRPr lang="en-US" sz="400" b="0" dirty="0"/>
+          </a:p>
+          <a:p>
+            <a:r>
+              <a:rPr lang="en-US" sz="1600" b="0" dirty="0" smtClean="0"/>
+              <a:t>13:00 </a:t>
+            </a:r>
+            <a:r>
+              <a:rPr lang="en-US" sz="1600" b="0" dirty="0"/>
+              <a:t>Lecture: "Package documentation and </a:t>
+            </a:r>
+            <a:r>
+              <a:rPr lang="en-US" sz="1600" b="0" dirty="0" smtClean="0"/>
+              <a:t>deployment“</a:t>
+            </a:r>
+          </a:p>
+          <a:p>
+            <a:endParaRPr lang="en-US" sz="400" b="0" dirty="0"/>
+          </a:p>
+          <a:p>
+            <a:r>
+              <a:rPr lang="en-US" sz="1600" b="0" dirty="0" smtClean="0"/>
+              <a:t>14:30 </a:t>
+            </a:r>
+            <a:r>
+              <a:rPr lang="en-US" sz="1600" b="0" dirty="0"/>
+              <a:t>Project </a:t>
+            </a:r>
+            <a:r>
+              <a:rPr lang="en-US" sz="1600" b="0" dirty="0" smtClean="0"/>
+              <a:t>work</a:t>
+            </a:r>
+          </a:p>
+          <a:p>
+            <a:endParaRPr lang="en-US" sz="400" b="0" dirty="0"/>
+          </a:p>
+          <a:p>
+            <a:r>
+              <a:rPr lang="en-US" sz="1600" b="0" dirty="0" smtClean="0"/>
+              <a:t>16:15 </a:t>
+            </a:r>
+            <a:r>
+              <a:rPr lang="en-US" sz="1600" b="0" dirty="0"/>
+              <a:t>Student </a:t>
+            </a:r>
+            <a:r>
+              <a:rPr lang="en-US" sz="1600" b="0" dirty="0" smtClean="0"/>
+              <a:t>presentations</a:t>
+            </a:r>
+          </a:p>
+          <a:p>
+            <a:endParaRPr lang="en-US" sz="400" b="0" dirty="0"/>
+          </a:p>
+          <a:p>
+            <a:r>
+              <a:rPr lang="en-US" sz="1600" b="0" dirty="0" smtClean="0"/>
+              <a:t>17:15 </a:t>
+            </a:r>
+            <a:r>
+              <a:rPr lang="en-US" sz="1600" b="0" dirty="0"/>
+              <a:t>Course evaluation and Wrap up</a:t>
+            </a:r>
+          </a:p>
+          <a:p>
+            <a:endParaRPr lang="en-US" sz="1600" dirty="0"/>
+          </a:p>
+        </p:txBody>
+      </p:sp>
+      <p:sp>
+        <p:nvSpPr>
+          <p:cNvPr id="7" name="Text Placeholder 6"/>
+          <p:cNvSpPr>
+            <a:spLocks noGrp="1"/>
+          </p:cNvSpPr>
+          <p:nvPr>
+            <p:ph type="body" sz="quarter" idx="22"/>
+          </p:nvPr>
+        </p:nvSpPr>
+        <p:spPr/>
+        <p:txBody>
+          <a:bodyPr/>
+          <a:lstStyle/>
+          <a:p>
             <a:r>
               <a:rPr lang="en-US" sz="3200" dirty="0" smtClean="0"/>
-              <a:t>The schedule</a:t>
+              <a:t>Schedule</a:t>
             </a:r>
             <a:endParaRPr lang="en-US" sz="3200" dirty="0"/>
           </a:p>
@@ -13905,10 +14138,96 @@
           </a:lstStyle>
           <a:p>
             <a:r>
-              <a:rPr lang="en-US" smtClean="0"/>
-              <a:t>A</a:t>
-            </a:r>
-            <a:endParaRPr lang="en-US" dirty="0"/>
+              <a:rPr lang="en-US" dirty="0" smtClean="0"/>
+              <a:t>Monday</a:t>
+            </a:r>
+          </a:p>
+          <a:p>
+            <a:endParaRPr lang="en-US" sz="800" dirty="0" smtClean="0"/>
+          </a:p>
+          <a:p>
+            <a:r>
+              <a:rPr lang="en-US" sz="1600" b="0" dirty="0" smtClean="0"/>
+              <a:t>9:30		Introduction</a:t>
+            </a:r>
+          </a:p>
+          <a:p>
+            <a:endParaRPr lang="en-US" sz="400" b="0" dirty="0"/>
+          </a:p>
+          <a:p>
+            <a:r>
+              <a:rPr lang="en-US" sz="1600" b="0" dirty="0" smtClean="0"/>
+              <a:t>10:00 Lecture </a:t>
+            </a:r>
+            <a:r>
+              <a:rPr lang="en-US" sz="1600" b="0" dirty="0"/>
+              <a:t>"Main components </a:t>
+            </a:r>
+            <a:r>
+              <a:rPr lang="en-US" sz="1600" b="0" dirty="0" smtClean="0"/>
+              <a:t>											of </a:t>
+            </a:r>
+            <a:r>
+              <a:rPr lang="en-US" sz="1600" b="0" dirty="0"/>
+              <a:t>an </a:t>
+            </a:r>
+            <a:r>
+              <a:rPr lang="en-US" sz="1600" b="0" dirty="0" smtClean="0"/>
+              <a:t>R-package“</a:t>
+            </a:r>
+          </a:p>
+          <a:p>
+            <a:endParaRPr lang="en-US" sz="400" b="0" dirty="0" smtClean="0"/>
+          </a:p>
+          <a:p>
+            <a:r>
+              <a:rPr lang="en-US" sz="1600" b="0" dirty="0" smtClean="0"/>
+              <a:t>10:45 Project definition</a:t>
+            </a:r>
+          </a:p>
+          <a:p>
+            <a:endParaRPr lang="en-US" sz="400" b="0" dirty="0"/>
+          </a:p>
+          <a:p>
+            <a:r>
+              <a:rPr lang="en-US" sz="1600" b="0" dirty="0" smtClean="0"/>
+              <a:t>11:15 Lecture "How </a:t>
+            </a:r>
+            <a:r>
+              <a:rPr lang="en-US" sz="1600" b="0" dirty="0"/>
+              <a:t>to build an R </a:t>
+            </a:r>
+            <a:r>
+              <a:rPr lang="en-US" sz="1600" b="0" dirty="0" smtClean="0"/>
+              <a:t>											package </a:t>
+            </a:r>
+            <a:r>
+              <a:rPr lang="en-US" sz="1600" b="0" dirty="0"/>
+              <a:t>– Tools </a:t>
+            </a:r>
+            <a:r>
+              <a:rPr lang="en-US" sz="1600" b="0" dirty="0" smtClean="0"/>
+              <a:t>and workflow“</a:t>
+            </a:r>
+          </a:p>
+          <a:p>
+            <a:endParaRPr lang="en-US" sz="400" b="0" dirty="0"/>
+          </a:p>
+          <a:p>
+            <a:r>
+              <a:rPr lang="en-US" sz="1600" b="0" dirty="0" smtClean="0"/>
+              <a:t>12:00 Lunch</a:t>
+            </a:r>
+          </a:p>
+          <a:p>
+            <a:endParaRPr lang="en-US" sz="400" b="0" dirty="0"/>
+          </a:p>
+          <a:p>
+            <a:r>
+              <a:rPr lang="en-US" sz="1600" b="0" dirty="0" smtClean="0"/>
+              <a:t>13:00 Demos and exercises</a:t>
+            </a:r>
+            <a:endParaRPr lang="en-US" sz="1600" b="0" dirty="0"/>
           </a:p>
         </p:txBody>
       </p:sp>
@@ -13932,111 +14251,6 @@
 </p:sld>
 </file>
 
-<file path=ppt/slides/slide4.xml><?xml version="1.0" encoding="utf-8"?>
-<p:sld xmlns:a="http://schemas.openxmlformats.org/drawingml/2006/main" xmlns:r="http://schemas.openxmlformats.org/officeDocument/2006/relationships" xmlns:p="http://schemas.openxmlformats.org/presentationml/2006/main">
-  <p:cSld>
-    <p:spTree>
-      <p:nvGrpSpPr>
-        <p:cNvPr id="1" name=""/>
-        <p:cNvGrpSpPr/>
-        <p:nvPr/>
-      </p:nvGrpSpPr>
-      <p:grpSpPr>
-        <a:xfrm>
-          <a:off x="0" y="0"/>
-          <a:ext cx="0" cy="0"/>
-          <a:chOff x="0" y="0"/>
-          <a:chExt cx="0" cy="0"/>
-        </a:xfrm>
-      </p:grpSpPr>
-      <p:sp>
-        <p:nvSpPr>
-          <p:cNvPr id="2" name="Slide Number Placeholder 1"/>
-          <p:cNvSpPr>
-            <a:spLocks noGrp="1"/>
-          </p:cNvSpPr>
-          <p:nvPr>
-            <p:ph type="sldNum" sz="quarter" idx="10"/>
-          </p:nvPr>
-        </p:nvSpPr>
-        <p:spPr/>
-        <p:txBody>
-          <a:bodyPr/>
-          <a:lstStyle/>
-          <a:p>
-            <a:fld id="{4C9BCB9A-1FC9-B141-82B1-F720E2D6C81A}" type="slidenum">
-              <a:rPr lang="de-DE" smtClean="0"/>
-              <a:pPr/>
-              <a:t>4</a:t>
-            </a:fld>
-            <a:endParaRPr lang="de-DE" dirty="0"/>
-          </a:p>
-        </p:txBody>
-      </p:sp>
-      <p:sp>
-        <p:nvSpPr>
-          <p:cNvPr id="3" name="Text Placeholder 2"/>
-          <p:cNvSpPr>
-            <a:spLocks noGrp="1"/>
-          </p:cNvSpPr>
-          <p:nvPr>
-            <p:ph type="body" sz="quarter" idx="17"/>
-          </p:nvPr>
-        </p:nvSpPr>
-        <p:spPr/>
-        <p:txBody>
-          <a:bodyPr/>
-          <a:lstStyle/>
-          <a:p>
-            <a:r>
-              <a:rPr lang="en-US" sz="3200" dirty="0" smtClean="0"/>
-              <a:t>Course philosophy</a:t>
-            </a:r>
-            <a:endParaRPr lang="en-US" sz="3200" dirty="0"/>
-          </a:p>
-        </p:txBody>
-      </p:sp>
-      <p:sp>
-        <p:nvSpPr>
-          <p:cNvPr id="4" name="Text Placeholder 3"/>
-          <p:cNvSpPr>
-            <a:spLocks noGrp="1"/>
-          </p:cNvSpPr>
-          <p:nvPr>
-            <p:ph type="body" sz="quarter" idx="18"/>
-          </p:nvPr>
-        </p:nvSpPr>
-        <p:spPr/>
-        <p:txBody>
-          <a:bodyPr/>
-          <a:lstStyle/>
-          <a:p>
-            <a:r>
-              <a:rPr lang="en-US" sz="2400" dirty="0"/>
-              <a:t>Hands on workflow and learning by doing</a:t>
-            </a:r>
-          </a:p>
-          <a:p>
-            <a:endParaRPr lang="en-US" sz="2400" dirty="0"/>
-          </a:p>
-          <a:p>
-            <a:endParaRPr lang="en-US" sz="2400" dirty="0"/>
-          </a:p>
-        </p:txBody>
-      </p:sp>
-    </p:spTree>
-    <p:extLst>
-      <p:ext uri="{BB962C8B-B14F-4D97-AF65-F5344CB8AC3E}">
-        <p14:creationId xmlns:p14="http://schemas.microsoft.com/office/powerpoint/2010/main" val="2633144966"/>
-      </p:ext>
-    </p:extLst>
-  </p:cSld>
-  <p:clrMapOvr>
-    <a:masterClrMapping/>
-  </p:clrMapOvr>
-</p:sld>
-</file>
-
 <file path=ppt/slides/slide5.xml><?xml version="1.0" encoding="utf-8"?>
 <p:sld xmlns:a="http://schemas.openxmlformats.org/drawingml/2006/main" xmlns:r="http://schemas.openxmlformats.org/officeDocument/2006/relationships" xmlns:p="http://schemas.openxmlformats.org/presentationml/2006/main">
   <p:cSld>
@@ -14094,10 +14308,10 @@
           <a:lstStyle/>
           <a:p>
             <a:r>
-              <a:rPr lang="en-US" dirty="0" smtClean="0"/>
-              <a:t>Three tasks</a:t>
-            </a:r>
-            <a:endParaRPr lang="en-US" dirty="0"/>
+              <a:rPr lang="en-US" sz="3200" dirty="0" smtClean="0"/>
+              <a:t>Course philosophy</a:t>
+            </a:r>
+            <a:endParaRPr lang="en-US" sz="3200" dirty="0"/>
           </a:p>
         </p:txBody>
       </p:sp>
@@ -14116,24 +14330,124 @@
           <a:bodyPr/>
           <a:lstStyle/>
           <a:p>
-            <a:r>
-              <a:rPr lang="en-US" dirty="0" smtClean="0"/>
-              <a:t>Form pairs of two</a:t>
-            </a:r>
-            <a:endParaRPr lang="en-US" dirty="0"/>
+            <a:pPr marL="0" indent="0">
+              <a:buNone/>
+            </a:pPr>
+            <a:endParaRPr lang="en-US" sz="3200" dirty="0" smtClean="0"/>
+          </a:p>
+          <a:p>
+            <a:pPr marL="0" indent="0">
+              <a:buNone/>
+            </a:pPr>
+            <a:endParaRPr lang="en-US" sz="3200" dirty="0"/>
+          </a:p>
+          <a:p>
+            <a:pPr marL="0" indent="0">
+              <a:buNone/>
+            </a:pPr>
+            <a:r>
+              <a:rPr lang="en-US" sz="3200" dirty="0" smtClean="0"/>
+              <a:t>Hands on!</a:t>
+            </a:r>
+            <a:endParaRPr lang="en-US" sz="3200" dirty="0"/>
+          </a:p>
+          <a:p>
+            <a:endParaRPr lang="en-US" sz="2400" dirty="0"/>
           </a:p>
         </p:txBody>
       </p:sp>
     </p:spTree>
     <p:extLst>
       <p:ext uri="{BB962C8B-B14F-4D97-AF65-F5344CB8AC3E}">
-        <p14:creationId xmlns:p14="http://schemas.microsoft.com/office/powerpoint/2010/main" val="711882687"/>
+        <p14:creationId xmlns:p14="http://schemas.microsoft.com/office/powerpoint/2010/main" val="2633144966"/>
       </p:ext>
     </p:extLst>
   </p:cSld>
   <p:clrMapOvr>
     <a:masterClrMapping/>
   </p:clrMapOvr>
+  <p:timing>
+    <p:tnLst>
+      <p:par>
+        <p:cTn id="1" dur="indefinite" restart="never" nodeType="tmRoot">
+          <p:childTnLst>
+            <p:seq concurrent="1" nextAc="seek">
+              <p:cTn id="2" dur="indefinite" nodeType="mainSeq">
+                <p:childTnLst>
+                  <p:par>
+                    <p:cTn id="3" fill="hold">
+                      <p:stCondLst>
+                        <p:cond delay="indefinite"/>
+                      </p:stCondLst>
+                      <p:childTnLst>
+                        <p:par>
+                          <p:cTn id="4" fill="hold">
+                            <p:stCondLst>
+                              <p:cond delay="0"/>
+                            </p:stCondLst>
+                            <p:childTnLst>
+                              <p:par>
+                                <p:cTn id="5" presetID="1" presetClass="entr" presetSubtype="0" fill="hold" grpId="0" nodeType="clickEffect">
+                                  <p:stCondLst>
+                                    <p:cond delay="0"/>
+                                  </p:stCondLst>
+                                  <p:childTnLst>
+                                    <p:set>
+                                      <p:cBhvr>
+                                        <p:cTn id="6" dur="1" fill="hold">
+                                          <p:stCondLst>
+                                            <p:cond delay="0"/>
+                                          </p:stCondLst>
+                                        </p:cTn>
+                                        <p:tgtEl>
+                                          <p:spTgt spid="4">
+                                            <p:txEl>
+                                              <p:pRg st="2" end="2"/>
+                                            </p:txEl>
+                                          </p:spTgt>
+                                        </p:tgtEl>
+                                        <p:attrNameLst>
+                                          <p:attrName>style.visibility</p:attrName>
+                                        </p:attrNameLst>
+                                      </p:cBhvr>
+                                      <p:to>
+                                        <p:strVal val="visible"/>
+                                      </p:to>
+                                    </p:set>
+                                  </p:childTnLst>
+                                </p:cTn>
+                              </p:par>
+                            </p:childTnLst>
+                          </p:cTn>
+                        </p:par>
+                      </p:childTnLst>
+                    </p:cTn>
+                  </p:par>
+                </p:childTnLst>
+              </p:cTn>
+              <p:prevCondLst>
+                <p:cond evt="onPrev" delay="0">
+                  <p:tgtEl>
+                    <p:sldTgt/>
+                  </p:tgtEl>
+                </p:cond>
+              </p:prevCondLst>
+              <p:nextCondLst>
+                <p:cond evt="onNext" delay="0">
+                  <p:tgtEl>
+                    <p:sldTgt/>
+                  </p:tgtEl>
+                </p:cond>
+              </p:nextCondLst>
+            </p:seq>
+          </p:childTnLst>
+        </p:cTn>
+      </p:par>
+    </p:tnLst>
+    <p:bldLst>
+      <p:bldP spid="4" grpId="0" build="p"/>
+    </p:bldLst>
+  </p:timing>
 </p:sld>
 </file>
 
@@ -14195,7 +14509,7 @@
           <a:p>
             <a:r>
               <a:rPr lang="en-US" dirty="0" smtClean="0"/>
-              <a:t>Chat about</a:t>
+              <a:t>A first task</a:t>
             </a:r>
             <a:endParaRPr lang="en-US" dirty="0"/>
           </a:p>
@@ -14220,6 +14534,34 @@
               <a:buNone/>
             </a:pPr>
             <a:r>
+              <a:rPr lang="en-US" dirty="0" smtClean="0"/>
+              <a:t>Form pairs of </a:t>
+            </a:r>
+            <a:r>
+              <a:rPr lang="en-US" dirty="0" smtClean="0"/>
+              <a:t>two</a:t>
+            </a:r>
+          </a:p>
+          <a:p>
+            <a:endParaRPr lang="en-US" dirty="0"/>
+          </a:p>
+          <a:p>
+            <a:pPr marL="0" indent="0">
+              <a:buNone/>
+            </a:pPr>
+            <a:r>
+              <a:rPr lang="en-US" dirty="0" smtClean="0"/>
+              <a:t>Take five minutes </a:t>
+            </a:r>
+            <a:r>
+              <a:rPr lang="en-US" dirty="0"/>
+              <a:t>to </a:t>
+            </a:r>
+            <a:r>
+              <a:rPr lang="en-US" dirty="0" smtClean="0"/>
+              <a:t>get to know each other. </a:t>
+            </a:r>
+            <a:r>
               <a:rPr lang="en-US" dirty="0"/>
               <a:t>Where are you from, what is your PhD project about, and what do you use R for?</a:t>
             </a:r>
@@ -14232,13 +14574,144 @@
     </p:spTree>
     <p:extLst>
       <p:ext uri="{BB962C8B-B14F-4D97-AF65-F5344CB8AC3E}">
-        <p14:creationId xmlns:p14="http://schemas.microsoft.com/office/powerpoint/2010/main" val="2665122040"/>
+        <p14:creationId xmlns:p14="http://schemas.microsoft.com/office/powerpoint/2010/main" val="711882687"/>
       </p:ext>
     </p:extLst>
   </p:cSld>
   <p:clrMapOvr>
     <a:masterClrMapping/>
   </p:clrMapOvr>
+  <p:timing>
+    <p:tnLst>
+      <p:par>
+        <p:cTn id="1" dur="indefinite" restart="never" nodeType="tmRoot">
+          <p:childTnLst>
+            <p:seq concurrent="1" nextAc="seek">
+              <p:cTn id="2" dur="indefinite" nodeType="mainSeq">
+                <p:childTnLst>
+                  <p:par>
+                    <p:cTn id="3" fill="hold">
+                      <p:stCondLst>
+                        <p:cond delay="indefinite"/>
+                      </p:stCondLst>
+                      <p:childTnLst>
+                        <p:par>
+                          <p:cTn id="4" fill="hold">
+                            <p:stCondLst>
+                              <p:cond delay="0"/>
+                            </p:stCondLst>
+                            <p:childTnLst>
+                              <p:par>
+                                <p:cTn id="5" presetID="1" presetClass="entr" presetSubtype="0" fill="hold" grpId="0" nodeType="clickEffect">
+                                  <p:stCondLst>
+                                    <p:cond delay="0"/>
+                                  </p:stCondLst>
+                                  <p:childTnLst>
+                                    <p:set>
+                                      <p:cBhvr>
+                                        <p:cTn id="6" dur="1" fill="hold">
+                                          <p:stCondLst>
+                                            <p:cond delay="0"/>
+                                          </p:stCondLst>
+                                        </p:cTn>
+                                        <p:tgtEl>
+                                          <p:spTgt spid="4">
+                                            <p:txEl>
+                                              <p:pRg st="0" end="0"/>
+                                            </p:txEl>
+                                          </p:spTgt>
+                                        </p:tgtEl>
+                                        <p:attrNameLst>
+                                          <p:attrName>style.visibility</p:attrName>
+                                        </p:attrNameLst>
+                                      </p:cBhvr>
+                                      <p:to>
+                                        <p:strVal val="visible"/>
+                                      </p:to>
+                                    </p:set>
+                                  </p:childTnLst>
+                                </p:cTn>
+                              </p:par>
+                            </p:childTnLst>
+                          </p:cTn>
+                        </p:par>
+                      </p:childTnLst>
+                    </p:cTn>
+                  </p:par>
+                  <p:par>
+                    <p:cTn id="7" fill="hold">
+                      <p:stCondLst>
+                        <p:cond delay="indefinite"/>
+                      </p:stCondLst>
+                      <p:childTnLst>
+                        <p:par>
+                          <p:cTn id="8" fill="hold">
+                            <p:stCondLst>
+                              <p:cond delay="0"/>
+                            </p:stCondLst>
+                            <p:childTnLst>
+                              <p:par>
+                                <p:cTn id="9" presetID="1" presetClass="entr" presetSubtype="0" fill="hold" grpId="0" nodeType="clickEffect">
+                                  <p:stCondLst>
+                                    <p:cond delay="0"/>
+                                  </p:stCondLst>
+                                  <p:childTnLst>
+                                    <p:set>
+                                      <p:cBhvr>
+                                        <p:cTn id="10" dur="1" fill="hold">
+                                          <p:stCondLst>
+                                            <p:cond delay="0"/>
+                                          </p:stCondLst>
+                                        </p:cTn>
+                                        <p:tgtEl>
+                                          <p:spTgt spid="4">
+                                            <p:txEl>
+                                              <p:pRg st="2" end="2"/>
+                                            </p:txEl>
+                                          </p:spTgt>
+                                        </p:tgtEl>
+                                        <p:attrNameLst>
+                                          <p:attrName>style.visibility</p:attrName>
+                                        </p:attrNameLst>
+                                      </p:cBhvr>
+                                      <p:to>
+                                        <p:strVal val="visible"/>
+                                      </p:to>
+                                    </p:set>
+                                  </p:childTnLst>
+                                </p:cTn>
+                              </p:par>
+                            </p:childTnLst>
+                          </p:cTn>
+                        </p:par>
+                      </p:childTnLst>
+                    </p:cTn>
+                  </p:par>
+                </p:childTnLst>
+              </p:cTn>
+              <p:prevCondLst>
+                <p:cond evt="onPrev" delay="0">
+                  <p:tgtEl>
+                    <p:sldTgt/>
+                  </p:tgtEl>
+                </p:cond>
+              </p:prevCondLst>
+              <p:nextCondLst>
+                <p:cond evt="onNext" delay="0">
+                  <p:tgtEl>
+                    <p:sldTgt/>
+                  </p:tgtEl>
+                </p:cond>
+              </p:nextCondLst>
+            </p:seq>
+          </p:childTnLst>
+        </p:cTn>
+      </p:par>
+    </p:tnLst>
+    <p:bldLst>
+      <p:bldP spid="4" grpId="0" build="p"/>
+    </p:bldLst>
+  </p:timing>
 </p:sld>
 </file>
 
@@ -14299,10 +14772,9 @@
           <a:lstStyle/>
           <a:p>
             <a:r>
-              <a:rPr lang="en-US" dirty="0" smtClean="0"/>
-              <a:t>Chat about</a:t>
-            </a:r>
-            <a:endParaRPr lang="en-US" dirty="0"/>
+              <a:rPr lang="en-US" dirty="0"/>
+              <a:t>Present yourself with few sentences</a:t>
+            </a:r>
           </a:p>
         </p:txBody>
       </p:sp>
@@ -14320,13 +14792,64 @@
         <p:txBody>
           <a:bodyPr/>
           <a:lstStyle/>
+          <a:p>
+            <a:endParaRPr lang="en-US" dirty="0"/>
+          </a:p>
           <a:p>
             <a:pPr marL="0" indent="0">
               <a:buNone/>
             </a:pPr>
             <a:r>
               <a:rPr lang="en-US" dirty="0"/>
-              <a:t>Stand up and look at your partners socks. Tell them what you like about them and why!</a:t>
+              <a:t>Where are you from</a:t>
+            </a:r>
+            <a:r>
+              <a:rPr lang="en-US" dirty="0" smtClean="0"/>
+              <a:t>?</a:t>
+            </a:r>
+          </a:p>
+          <a:p>
+            <a:endParaRPr lang="en-US" sz="400" dirty="0"/>
+          </a:p>
+          <a:p>
+            <a:pPr marL="0" indent="0">
+              <a:buNone/>
+            </a:pPr>
+            <a:r>
+              <a:rPr lang="en-US" dirty="0"/>
+              <a:t>What are you working on</a:t>
+            </a:r>
+            <a:r>
+              <a:rPr lang="en-US" dirty="0" smtClean="0"/>
+              <a:t>?</a:t>
+            </a:r>
+          </a:p>
+          <a:p>
+            <a:endParaRPr lang="en-US" sz="400" dirty="0"/>
+          </a:p>
+          <a:p>
+            <a:pPr marL="0" indent="0">
+              <a:buNone/>
+            </a:pPr>
+            <a:r>
+              <a:rPr lang="en-US" dirty="0"/>
+              <a:t>What do you use R for</a:t>
+            </a:r>
+            <a:r>
+              <a:rPr lang="en-US" dirty="0" smtClean="0"/>
+              <a:t>?</a:t>
+            </a:r>
+          </a:p>
+          <a:p>
+            <a:endParaRPr lang="en-US" sz="400" dirty="0"/>
+          </a:p>
+          <a:p>
+            <a:pPr marL="0" indent="0">
+              <a:buNone/>
+            </a:pPr>
+            <a:r>
+              <a:rPr lang="en-US" b="1" dirty="0"/>
+              <a:t>What do you expect from this course?</a:t>
             </a:r>
           </a:p>
           <a:p>
@@ -14337,13 +14860,20 @@
     </p:spTree>
     <p:extLst>
       <p:ext uri="{BB962C8B-B14F-4D97-AF65-F5344CB8AC3E}">
-        <p14:creationId xmlns:p14="http://schemas.microsoft.com/office/powerpoint/2010/main" val="3204026903"/>
+        <p14:creationId xmlns:p14="http://schemas.microsoft.com/office/powerpoint/2010/main" val="3758364300"/>
       </p:ext>
     </p:extLst>
   </p:cSld>
   <p:clrMapOvr>
     <a:masterClrMapping/>
   </p:clrMapOvr>
+  <p:timing>
+    <p:tnLst>
+      <p:par>
+        <p:cTn id="1" dur="indefinite" restart="never" nodeType="tmRoot"/>
+      </p:par>
+    </p:tnLst>
+  </p:timing>
 </p:sld>
 </file>
 
@@ -14405,7 +14935,7 @@
           <a:p>
             <a:r>
               <a:rPr lang="en-US" dirty="0" smtClean="0"/>
-              <a:t>Chat about</a:t>
+              <a:t>Objective</a:t>
             </a:r>
             <a:endParaRPr lang="en-US" dirty="0"/>
           </a:p>
@@ -14431,10 +14961,66 @@
             </a:pPr>
             <a:r>
               <a:rPr lang="en-US" dirty="0"/>
-              <a:t>If you were reborn as an animal. Which one would that be and why?</a:t>
-            </a:r>
-          </a:p>
-          <a:p>
+              <a:t>1. understand the structure of R-packages </a:t>
+            </a:r>
+            <a:endParaRPr lang="en-US" dirty="0" smtClean="0"/>
+          </a:p>
+          <a:p>
+            <a:pPr marL="0" indent="0">
+              <a:buNone/>
+            </a:pPr>
+            <a:r>
+              <a:rPr lang="en-US" dirty="0"/>
+              <a:t>	</a:t>
+            </a:r>
+          </a:p>
+          <a:p>
+            <a:pPr marL="0" indent="0">
+              <a:buNone/>
+            </a:pPr>
+            <a:r>
+              <a:rPr lang="en-US" dirty="0"/>
+              <a:t>2. use up-to-date methodology to provide R code </a:t>
+            </a:r>
+            <a:r>
+              <a:rPr lang="en-US" dirty="0" smtClean="0"/>
+              <a:t>							and </a:t>
+            </a:r>
+            <a:r>
+              <a:rPr lang="en-US" dirty="0"/>
+              <a:t>data as </a:t>
+            </a:r>
+            <a:r>
+              <a:rPr lang="en-US" dirty="0" smtClean="0"/>
+              <a:t>R-package</a:t>
+            </a:r>
+          </a:p>
+          <a:p>
+            <a:pPr marL="0" indent="0">
+              <a:buNone/>
+            </a:pPr>
+            <a:endParaRPr lang="en-US" dirty="0"/>
+          </a:p>
+          <a:p>
+            <a:pPr marL="0" indent="0">
+              <a:buNone/>
+            </a:pPr>
+            <a:r>
+              <a:rPr lang="en-US" dirty="0"/>
+              <a:t>3. b</a:t>
+            </a:r>
+            <a:r>
+              <a:rPr lang="en-US" dirty="0" smtClean="0"/>
+              <a:t>e familiar with common </a:t>
+            </a:r>
+            <a:r>
+              <a:rPr lang="en-US" dirty="0"/>
+              <a:t>tools for </a:t>
+            </a:r>
+            <a:r>
+              <a:rPr lang="en-US" dirty="0" smtClean="0"/>
+              <a:t>packaging</a:t>
+            </a:r>
             <a:endParaRPr lang="en-US" dirty="0"/>
           </a:p>
         </p:txBody>
@@ -14442,135 +15028,20 @@
     </p:spTree>
     <p:extLst>
       <p:ext uri="{BB962C8B-B14F-4D97-AF65-F5344CB8AC3E}">
-        <p14:creationId xmlns:p14="http://schemas.microsoft.com/office/powerpoint/2010/main" val="895291303"/>
+        <p14:creationId xmlns:p14="http://schemas.microsoft.com/office/powerpoint/2010/main" val="3939406124"/>
       </p:ext>
     </p:extLst>
   </p:cSld>
   <p:clrMapOvr>
     <a:masterClrMapping/>
   </p:clrMapOvr>
-</p:sld>
-</file>
-
-<file path=ppt/slides/slide9.xml><?xml version="1.0" encoding="utf-8"?>
-<p:sld xmlns:a="http://schemas.openxmlformats.org/drawingml/2006/main" xmlns:r="http://schemas.openxmlformats.org/officeDocument/2006/relationships" xmlns:p="http://schemas.openxmlformats.org/presentationml/2006/main">
-  <p:cSld>
-    <p:spTree>
-      <p:nvGrpSpPr>
-        <p:cNvPr id="1" name=""/>
-        <p:cNvGrpSpPr/>
-        <p:nvPr/>
-      </p:nvGrpSpPr>
-      <p:grpSpPr>
-        <a:xfrm>
-          <a:off x="0" y="0"/>
-          <a:ext cx="0" cy="0"/>
-          <a:chOff x="0" y="0"/>
-          <a:chExt cx="0" cy="0"/>
-        </a:xfrm>
-      </p:grpSpPr>
-      <p:sp>
-        <p:nvSpPr>
-          <p:cNvPr id="2" name="Slide Number Placeholder 1"/>
-          <p:cNvSpPr>
-            <a:spLocks noGrp="1"/>
-          </p:cNvSpPr>
-          <p:nvPr>
-            <p:ph type="sldNum" sz="quarter" idx="10"/>
-          </p:nvPr>
-        </p:nvSpPr>
-        <p:spPr/>
-        <p:txBody>
-          <a:bodyPr/>
-          <a:lstStyle/>
-          <a:p>
-            <a:fld id="{4C9BCB9A-1FC9-B141-82B1-F720E2D6C81A}" type="slidenum">
-              <a:rPr lang="de-DE" smtClean="0"/>
-              <a:pPr/>
-              <a:t>9</a:t>
-            </a:fld>
-            <a:endParaRPr lang="de-DE" dirty="0"/>
-          </a:p>
-        </p:txBody>
-      </p:sp>
-      <p:sp>
-        <p:nvSpPr>
-          <p:cNvPr id="3" name="Text Placeholder 2"/>
-          <p:cNvSpPr>
-            <a:spLocks noGrp="1"/>
-          </p:cNvSpPr>
-          <p:nvPr>
-            <p:ph type="body" sz="quarter" idx="17"/>
-          </p:nvPr>
-        </p:nvSpPr>
-        <p:spPr/>
-        <p:txBody>
-          <a:bodyPr/>
-          <a:lstStyle/>
-          <a:p>
-            <a:r>
-              <a:rPr lang="en-US" dirty="0"/>
-              <a:t>Present yourself with few sentences</a:t>
-            </a:r>
-          </a:p>
-        </p:txBody>
-      </p:sp>
-      <p:sp>
-        <p:nvSpPr>
-          <p:cNvPr id="4" name="Text Placeholder 3"/>
-          <p:cNvSpPr>
-            <a:spLocks noGrp="1"/>
-          </p:cNvSpPr>
-          <p:nvPr>
-            <p:ph type="body" sz="quarter" idx="18"/>
-          </p:nvPr>
-        </p:nvSpPr>
-        <p:spPr/>
-        <p:txBody>
-          <a:bodyPr/>
-          <a:lstStyle/>
-          <a:p>
-            <a:endParaRPr lang="en-US" dirty="0"/>
-          </a:p>
-          <a:p>
-            <a:r>
-              <a:rPr lang="en-US" dirty="0"/>
-              <a:t>Where are you from?</a:t>
-            </a:r>
-          </a:p>
-          <a:p>
-            <a:r>
-              <a:rPr lang="en-US" dirty="0"/>
-              <a:t>What are you working on?</a:t>
-            </a:r>
-          </a:p>
-          <a:p>
-            <a:r>
-              <a:rPr lang="en-US" dirty="0"/>
-              <a:t>What do you use R for?</a:t>
-            </a:r>
-          </a:p>
-          <a:p>
-            <a:r>
-              <a:rPr lang="en-US" b="1" dirty="0"/>
-              <a:t>What do you expect from this course?</a:t>
-            </a:r>
-          </a:p>
-          <a:p>
-            <a:endParaRPr lang="en-US" dirty="0"/>
-          </a:p>
-        </p:txBody>
-      </p:sp>
-    </p:spTree>
-    <p:extLst>
-      <p:ext uri="{BB962C8B-B14F-4D97-AF65-F5344CB8AC3E}">
-        <p14:creationId xmlns:p14="http://schemas.microsoft.com/office/powerpoint/2010/main" val="3758364300"/>
-      </p:ext>
-    </p:extLst>
-  </p:cSld>
-  <p:clrMapOvr>
-    <a:masterClrMapping/>
-  </p:clrMapOvr>
+  <p:timing>
+    <p:tnLst>
+      <p:par>
+        <p:cTn id="1" dur="indefinite" restart="never" nodeType="tmRoot"/>
+      </p:par>
+    </p:tnLst>
+  </p:timing>
 </p:sld>
 </file>
 

--- a/introduction.pptx
+++ b/introduction.pptx
@@ -5,17 +5,18 @@
     <p:sldMasterId id="2147483648" r:id="rId1"/>
   </p:sldMasterIdLst>
   <p:notesMasterIdLst>
-    <p:notesMasterId r:id="rId10"/>
+    <p:notesMasterId r:id="rId11"/>
   </p:notesMasterIdLst>
   <p:sldIdLst>
     <p:sldId id="315" r:id="rId2"/>
     <p:sldId id="317" r:id="rId3"/>
     <p:sldId id="318" r:id="rId4"/>
     <p:sldId id="291" r:id="rId5"/>
-    <p:sldId id="298" r:id="rId6"/>
-    <p:sldId id="310" r:id="rId7"/>
-    <p:sldId id="313" r:id="rId8"/>
-    <p:sldId id="316" r:id="rId9"/>
+    <p:sldId id="320" r:id="rId6"/>
+    <p:sldId id="298" r:id="rId7"/>
+    <p:sldId id="310" r:id="rId8"/>
+    <p:sldId id="313" r:id="rId9"/>
+    <p:sldId id="316" r:id="rId10"/>
   </p:sldIdLst>
   <p:sldSz cx="9144000" cy="5143500" type="screen16x9"/>
   <p:notesSz cx="9144000" cy="6858000"/>
@@ -245,7 +246,7 @@
           <a:p>
             <a:fld id="{B0F426C9-EBE5-3743-A61B-9DDFFF30862E}" type="datetimeFigureOut">
               <a:rPr lang="de-DE" smtClean="0"/>
-              <a:t>20.09.2019</a:t>
+              <a:t>22.09.2019</a:t>
             </a:fld>
             <a:endParaRPr lang="de-DE"/>
           </a:p>
@@ -9318,14 +9319,14 @@
           </a:ln>
           <a:extLst>
             <a:ext uri="{909E8E84-426E-40dd-AFC4-6F175D3DCCD1}">
-              <a14:hiddenFill xmlns:a14="http://schemas.microsoft.com/office/drawing/2010/main" xmlns="">
+              <a14:hiddenFill xmlns="" xmlns:a14="http://schemas.microsoft.com/office/drawing/2010/main">
                 <a:solidFill>
                   <a:srgbClr val="FFFFFF"/>
                 </a:solidFill>
               </a14:hiddenFill>
             </a:ext>
             <a:ext uri="{91240B29-F687-4f45-9708-019B960494DF}">
-              <a14:hiddenLine xmlns:a14="http://schemas.microsoft.com/office/drawing/2010/main" xmlns="" w="9525">
+              <a14:hiddenLine xmlns="" xmlns:a14="http://schemas.microsoft.com/office/drawing/2010/main" w="9525">
                 <a:solidFill>
                   <a:srgbClr val="000000"/>
                 </a:solidFill>
@@ -9662,14 +9663,14 @@
           </a:ln>
           <a:extLst>
             <a:ext uri="{909E8E84-426E-40dd-AFC4-6F175D3DCCD1}">
-              <a14:hiddenFill xmlns:a14="http://schemas.microsoft.com/office/drawing/2010/main" xmlns="">
+              <a14:hiddenFill xmlns="" xmlns:a14="http://schemas.microsoft.com/office/drawing/2010/main">
                 <a:solidFill>
                   <a:srgbClr val="FFFFFF"/>
                 </a:solidFill>
               </a14:hiddenFill>
             </a:ext>
             <a:ext uri="{91240B29-F687-4f45-9708-019B960494DF}">
-              <a14:hiddenLine xmlns:a14="http://schemas.microsoft.com/office/drawing/2010/main" xmlns="" w="9525">
+              <a14:hiddenLine xmlns="" xmlns:a14="http://schemas.microsoft.com/office/drawing/2010/main" w="9525">
                 <a:solidFill>
                   <a:srgbClr val="000000"/>
                 </a:solidFill>
@@ -14270,7 +14271,13 @@
       </p:grpSpPr>
       <p:sp>
         <p:nvSpPr>
-          <p:cNvPr id="2" name="Slide Number Placeholder 1"/>
+          <p:cNvPr id="2" name="Foliennummernplatzhalter 1">
+            <a:extLst>
+              <a:ext uri="{FF2B5EF4-FFF2-40B4-BE49-F238E27FC236}">
+                <a16:creationId xmlns:a16="http://schemas.microsoft.com/office/drawing/2014/main" id="{8F697C47-A182-C146-BC1E-03C534FD55B8}"/>
+              </a:ext>
+            </a:extLst>
+          </p:cNvPr>
           <p:cNvSpPr>
             <a:spLocks noGrp="1"/>
           </p:cNvSpPr>
@@ -14287,6 +14294,134 @@
               <a:rPr lang="de-DE" smtClean="0"/>
               <a:pPr/>
               <a:t>5</a:t>
+            </a:fld>
+            <a:endParaRPr lang="de-DE" dirty="0"/>
+          </a:p>
+        </p:txBody>
+      </p:sp>
+      <p:sp>
+        <p:nvSpPr>
+          <p:cNvPr id="3" name="Textplatzhalter 2">
+            <a:extLst>
+              <a:ext uri="{FF2B5EF4-FFF2-40B4-BE49-F238E27FC236}">
+                <a16:creationId xmlns:a16="http://schemas.microsoft.com/office/drawing/2014/main" id="{57E923F8-5CFF-3347-ACB7-7478B6D4BB6E}"/>
+              </a:ext>
+            </a:extLst>
+          </p:cNvPr>
+          <p:cNvSpPr>
+            <a:spLocks noGrp="1"/>
+          </p:cNvSpPr>
+          <p:nvPr>
+            <p:ph type="body" sz="quarter" idx="17"/>
+          </p:nvPr>
+        </p:nvSpPr>
+        <p:spPr/>
+        <p:txBody>
+          <a:bodyPr/>
+          <a:lstStyle/>
+          <a:p>
+            <a:r>
+              <a:rPr lang="en-US" sz="3200" dirty="0"/>
+              <a:t>The </a:t>
+            </a:r>
+            <a:r>
+              <a:rPr lang="en-US" sz="3200" dirty="0" smtClean="0"/>
+              <a:t>course webpage</a:t>
+            </a:r>
+            <a:endParaRPr lang="de-DE" sz="3200" dirty="0"/>
+          </a:p>
+        </p:txBody>
+      </p:sp>
+      <p:sp>
+        <p:nvSpPr>
+          <p:cNvPr id="4" name="Textplatzhalter 3">
+            <a:extLst>
+              <a:ext uri="{FF2B5EF4-FFF2-40B4-BE49-F238E27FC236}">
+                <a16:creationId xmlns:a16="http://schemas.microsoft.com/office/drawing/2014/main" id="{3CE0DFEF-2098-294D-A052-7E066037F4A0}"/>
+              </a:ext>
+            </a:extLst>
+          </p:cNvPr>
+          <p:cNvSpPr>
+            <a:spLocks noGrp="1"/>
+          </p:cNvSpPr>
+          <p:nvPr>
+            <p:ph type="body" sz="quarter" idx="18"/>
+          </p:nvPr>
+        </p:nvSpPr>
+        <p:spPr/>
+        <p:txBody>
+          <a:bodyPr/>
+          <a:lstStyle/>
+          <a:p>
+            <a:pPr marL="0" indent="0">
+              <a:buNone/>
+            </a:pPr>
+            <a:r>
+              <a:rPr lang="en-US" dirty="0">
+                <a:hlinkClick r:id="rId2"/>
+              </a:rPr>
+              <a:t>https://idiv-biodiversity.github.io/yDiv_building_packages_Rstudio_GitHub/</a:t>
+            </a:r>
+            <a:endParaRPr lang="de-DE" dirty="0"/>
+          </a:p>
+        </p:txBody>
+      </p:sp>
+    </p:spTree>
+    <p:extLst>
+      <p:ext uri="{BB962C8B-B14F-4D97-AF65-F5344CB8AC3E}">
+        <p14:creationId xmlns:p14="http://schemas.microsoft.com/office/powerpoint/2010/main" val="4259105521"/>
+      </p:ext>
+    </p:extLst>
+  </p:cSld>
+  <p:clrMapOvr>
+    <a:masterClrMapping/>
+  </p:clrMapOvr>
+  <p:timing>
+    <p:tnLst>
+      <p:par>
+        <p:cTn id="1" dur="indefinite" restart="never" nodeType="tmRoot"/>
+      </p:par>
+    </p:tnLst>
+  </p:timing>
+</p:sld>
+</file>
+
+<file path=ppt/slides/slide6.xml><?xml version="1.0" encoding="utf-8"?>
+<p:sld xmlns:a="http://schemas.openxmlformats.org/drawingml/2006/main" xmlns:r="http://schemas.openxmlformats.org/officeDocument/2006/relationships" xmlns:p="http://schemas.openxmlformats.org/presentationml/2006/main">
+  <p:cSld>
+    <p:spTree>
+      <p:nvGrpSpPr>
+        <p:cNvPr id="1" name=""/>
+        <p:cNvGrpSpPr/>
+        <p:nvPr/>
+      </p:nvGrpSpPr>
+      <p:grpSpPr>
+        <a:xfrm>
+          <a:off x="0" y="0"/>
+          <a:ext cx="0" cy="0"/>
+          <a:chOff x="0" y="0"/>
+          <a:chExt cx="0" cy="0"/>
+        </a:xfrm>
+      </p:grpSpPr>
+      <p:sp>
+        <p:nvSpPr>
+          <p:cNvPr id="2" name="Slide Number Placeholder 1"/>
+          <p:cNvSpPr>
+            <a:spLocks noGrp="1"/>
+          </p:cNvSpPr>
+          <p:nvPr>
+            <p:ph type="sldNum" sz="quarter" idx="10"/>
+          </p:nvPr>
+        </p:nvSpPr>
+        <p:spPr/>
+        <p:txBody>
+          <a:bodyPr/>
+          <a:lstStyle/>
+          <a:p>
+            <a:fld id="{4C9BCB9A-1FC9-B141-82B1-F720E2D6C81A}" type="slidenum">
+              <a:rPr lang="de-DE" smtClean="0"/>
+              <a:pPr/>
+              <a:t>6</a:t>
             </a:fld>
             <a:endParaRPr lang="de-DE" dirty="0"/>
           </a:p>
@@ -14451,7 +14586,7 @@
 </p:sld>
 </file>
 
-<file path=ppt/slides/slide6.xml><?xml version="1.0" encoding="utf-8"?>
+<file path=ppt/slides/slide7.xml><?xml version="1.0" encoding="utf-8"?>
 <p:sld xmlns:a="http://schemas.openxmlformats.org/drawingml/2006/main" xmlns:r="http://schemas.openxmlformats.org/officeDocument/2006/relationships" xmlns:p="http://schemas.openxmlformats.org/presentationml/2006/main">
   <p:cSld>
     <p:spTree>
@@ -14486,7 +14621,7 @@
             <a:fld id="{4C9BCB9A-1FC9-B141-82B1-F720E2D6C81A}" type="slidenum">
               <a:rPr lang="de-DE" smtClean="0"/>
               <a:pPr/>
-              <a:t>6</a:t>
+              <a:t>7</a:t>
             </a:fld>
             <a:endParaRPr lang="de-DE" dirty="0"/>
           </a:p>
@@ -14535,11 +14670,7 @@
             </a:pPr>
             <a:r>
               <a:rPr lang="en-US" dirty="0" smtClean="0"/>
-              <a:t>Form pairs of </a:t>
-            </a:r>
-            <a:r>
-              <a:rPr lang="en-US" dirty="0" smtClean="0"/>
-              <a:t>two</a:t>
+              <a:t>Form pairs of two</a:t>
             </a:r>
           </a:p>
           <a:p>
@@ -14715,7 +14846,7 @@
 </p:sld>
 </file>
 
-<file path=ppt/slides/slide7.xml><?xml version="1.0" encoding="utf-8"?>
+<file path=ppt/slides/slide8.xml><?xml version="1.0" encoding="utf-8"?>
 <p:sld xmlns:a="http://schemas.openxmlformats.org/drawingml/2006/main" xmlns:r="http://schemas.openxmlformats.org/officeDocument/2006/relationships" xmlns:p="http://schemas.openxmlformats.org/presentationml/2006/main">
   <p:cSld>
     <p:spTree>
@@ -14750,7 +14881,7 @@
             <a:fld id="{4C9BCB9A-1FC9-B141-82B1-F720E2D6C81A}" type="slidenum">
               <a:rPr lang="de-DE" smtClean="0"/>
               <a:pPr/>
-              <a:t>7</a:t>
+              <a:t>8</a:t>
             </a:fld>
             <a:endParaRPr lang="de-DE" dirty="0"/>
           </a:p>
@@ -14877,7 +15008,7 @@
 </p:sld>
 </file>
 
-<file path=ppt/slides/slide8.xml><?xml version="1.0" encoding="utf-8"?>
+<file path=ppt/slides/slide9.xml><?xml version="1.0" encoding="utf-8"?>
 <p:sld xmlns:a="http://schemas.openxmlformats.org/drawingml/2006/main" xmlns:r="http://schemas.openxmlformats.org/officeDocument/2006/relationships" xmlns:p="http://schemas.openxmlformats.org/presentationml/2006/main">
   <p:cSld>
     <p:spTree>
@@ -14912,7 +15043,7 @@
             <a:fld id="{4C9BCB9A-1FC9-B141-82B1-F720E2D6C81A}" type="slidenum">
               <a:rPr lang="de-DE" smtClean="0"/>
               <a:pPr/>
-              <a:t>8</a:t>
+              <a:t>9</a:t>
             </a:fld>
             <a:endParaRPr lang="de-DE" dirty="0"/>
           </a:p>

--- a/introduction.pptx
+++ b/introduction.pptx
@@ -12,8 +12,8 @@
     <p:sldId id="317" r:id="rId3"/>
     <p:sldId id="318" r:id="rId4"/>
     <p:sldId id="291" r:id="rId5"/>
-    <p:sldId id="320" r:id="rId6"/>
-    <p:sldId id="298" r:id="rId7"/>
+    <p:sldId id="298" r:id="rId6"/>
+    <p:sldId id="320" r:id="rId7"/>
     <p:sldId id="310" r:id="rId8"/>
     <p:sldId id="313" r:id="rId9"/>
     <p:sldId id="316" r:id="rId10"/>
@@ -246,7 +246,7 @@
           <a:p>
             <a:fld id="{B0F426C9-EBE5-3743-A61B-9DDFFF30862E}" type="datetimeFigureOut">
               <a:rPr lang="de-DE" smtClean="0"/>
-              <a:t>22.09.2019</a:t>
+              <a:t>23.09.2019</a:t>
             </a:fld>
             <a:endParaRPr lang="de-DE"/>
           </a:p>
@@ -9319,14 +9319,14 @@
           </a:ln>
           <a:extLst>
             <a:ext uri="{909E8E84-426E-40dd-AFC4-6F175D3DCCD1}">
-              <a14:hiddenFill xmlns="" xmlns:a14="http://schemas.microsoft.com/office/drawing/2010/main">
+              <a14:hiddenFill xmlns:a14="http://schemas.microsoft.com/office/drawing/2010/main" xmlns="">
                 <a:solidFill>
                   <a:srgbClr val="FFFFFF"/>
                 </a:solidFill>
               </a14:hiddenFill>
             </a:ext>
             <a:ext uri="{91240B29-F687-4f45-9708-019B960494DF}">
-              <a14:hiddenLine xmlns="" xmlns:a14="http://schemas.microsoft.com/office/drawing/2010/main" w="9525">
+              <a14:hiddenLine xmlns:a14="http://schemas.microsoft.com/office/drawing/2010/main" xmlns="" w="9525">
                 <a:solidFill>
                   <a:srgbClr val="000000"/>
                 </a:solidFill>
@@ -9663,14 +9663,14 @@
           </a:ln>
           <a:extLst>
             <a:ext uri="{909E8E84-426E-40dd-AFC4-6F175D3DCCD1}">
-              <a14:hiddenFill xmlns="" xmlns:a14="http://schemas.microsoft.com/office/drawing/2010/main">
+              <a14:hiddenFill xmlns:a14="http://schemas.microsoft.com/office/drawing/2010/main" xmlns="">
                 <a:solidFill>
                   <a:srgbClr val="FFFFFF"/>
                 </a:solidFill>
               </a14:hiddenFill>
             </a:ext>
             <a:ext uri="{91240B29-F687-4f45-9708-019B960494DF}">
-              <a14:hiddenLine xmlns="" xmlns:a14="http://schemas.microsoft.com/office/drawing/2010/main" w="9525">
+              <a14:hiddenLine xmlns:a14="http://schemas.microsoft.com/office/drawing/2010/main" xmlns="" w="9525">
                 <a:solidFill>
                   <a:srgbClr val="000000"/>
                 </a:solidFill>
@@ -14271,13 +14271,7 @@
       </p:grpSpPr>
       <p:sp>
         <p:nvSpPr>
-          <p:cNvPr id="2" name="Foliennummernplatzhalter 1">
-            <a:extLst>
-              <a:ext uri="{FF2B5EF4-FFF2-40B4-BE49-F238E27FC236}">
-                <a16:creationId xmlns:a16="http://schemas.microsoft.com/office/drawing/2014/main" id="{8F697C47-A182-C146-BC1E-03C534FD55B8}"/>
-              </a:ext>
-            </a:extLst>
-          </p:cNvPr>
+          <p:cNvPr id="2" name="Slide Number Placeholder 1"/>
           <p:cNvSpPr>
             <a:spLocks noGrp="1"/>
           </p:cNvSpPr>
@@ -14294,134 +14288,6 @@
               <a:rPr lang="de-DE" smtClean="0"/>
               <a:pPr/>
               <a:t>5</a:t>
-            </a:fld>
-            <a:endParaRPr lang="de-DE" dirty="0"/>
-          </a:p>
-        </p:txBody>
-      </p:sp>
-      <p:sp>
-        <p:nvSpPr>
-          <p:cNvPr id="3" name="Textplatzhalter 2">
-            <a:extLst>
-              <a:ext uri="{FF2B5EF4-FFF2-40B4-BE49-F238E27FC236}">
-                <a16:creationId xmlns:a16="http://schemas.microsoft.com/office/drawing/2014/main" id="{57E923F8-5CFF-3347-ACB7-7478B6D4BB6E}"/>
-              </a:ext>
-            </a:extLst>
-          </p:cNvPr>
-          <p:cNvSpPr>
-            <a:spLocks noGrp="1"/>
-          </p:cNvSpPr>
-          <p:nvPr>
-            <p:ph type="body" sz="quarter" idx="17"/>
-          </p:nvPr>
-        </p:nvSpPr>
-        <p:spPr/>
-        <p:txBody>
-          <a:bodyPr/>
-          <a:lstStyle/>
-          <a:p>
-            <a:r>
-              <a:rPr lang="en-US" sz="3200" dirty="0"/>
-              <a:t>The </a:t>
-            </a:r>
-            <a:r>
-              <a:rPr lang="en-US" sz="3200" dirty="0" smtClean="0"/>
-              <a:t>course webpage</a:t>
-            </a:r>
-            <a:endParaRPr lang="de-DE" sz="3200" dirty="0"/>
-          </a:p>
-        </p:txBody>
-      </p:sp>
-      <p:sp>
-        <p:nvSpPr>
-          <p:cNvPr id="4" name="Textplatzhalter 3">
-            <a:extLst>
-              <a:ext uri="{FF2B5EF4-FFF2-40B4-BE49-F238E27FC236}">
-                <a16:creationId xmlns:a16="http://schemas.microsoft.com/office/drawing/2014/main" id="{3CE0DFEF-2098-294D-A052-7E066037F4A0}"/>
-              </a:ext>
-            </a:extLst>
-          </p:cNvPr>
-          <p:cNvSpPr>
-            <a:spLocks noGrp="1"/>
-          </p:cNvSpPr>
-          <p:nvPr>
-            <p:ph type="body" sz="quarter" idx="18"/>
-          </p:nvPr>
-        </p:nvSpPr>
-        <p:spPr/>
-        <p:txBody>
-          <a:bodyPr/>
-          <a:lstStyle/>
-          <a:p>
-            <a:pPr marL="0" indent="0">
-              <a:buNone/>
-            </a:pPr>
-            <a:r>
-              <a:rPr lang="en-US" dirty="0">
-                <a:hlinkClick r:id="rId2"/>
-              </a:rPr>
-              <a:t>https://idiv-biodiversity.github.io/yDiv_building_packages_Rstudio_GitHub/</a:t>
-            </a:r>
-            <a:endParaRPr lang="de-DE" dirty="0"/>
-          </a:p>
-        </p:txBody>
-      </p:sp>
-    </p:spTree>
-    <p:extLst>
-      <p:ext uri="{BB962C8B-B14F-4D97-AF65-F5344CB8AC3E}">
-        <p14:creationId xmlns:p14="http://schemas.microsoft.com/office/powerpoint/2010/main" val="4259105521"/>
-      </p:ext>
-    </p:extLst>
-  </p:cSld>
-  <p:clrMapOvr>
-    <a:masterClrMapping/>
-  </p:clrMapOvr>
-  <p:timing>
-    <p:tnLst>
-      <p:par>
-        <p:cTn id="1" dur="indefinite" restart="never" nodeType="tmRoot"/>
-      </p:par>
-    </p:tnLst>
-  </p:timing>
-</p:sld>
-</file>
-
-<file path=ppt/slides/slide6.xml><?xml version="1.0" encoding="utf-8"?>
-<p:sld xmlns:a="http://schemas.openxmlformats.org/drawingml/2006/main" xmlns:r="http://schemas.openxmlformats.org/officeDocument/2006/relationships" xmlns:p="http://schemas.openxmlformats.org/presentationml/2006/main">
-  <p:cSld>
-    <p:spTree>
-      <p:nvGrpSpPr>
-        <p:cNvPr id="1" name=""/>
-        <p:cNvGrpSpPr/>
-        <p:nvPr/>
-      </p:nvGrpSpPr>
-      <p:grpSpPr>
-        <a:xfrm>
-          <a:off x="0" y="0"/>
-          <a:ext cx="0" cy="0"/>
-          <a:chOff x="0" y="0"/>
-          <a:chExt cx="0" cy="0"/>
-        </a:xfrm>
-      </p:grpSpPr>
-      <p:sp>
-        <p:nvSpPr>
-          <p:cNvPr id="2" name="Slide Number Placeholder 1"/>
-          <p:cNvSpPr>
-            <a:spLocks noGrp="1"/>
-          </p:cNvSpPr>
-          <p:nvPr>
-            <p:ph type="sldNum" sz="quarter" idx="10"/>
-          </p:nvPr>
-        </p:nvSpPr>
-        <p:spPr/>
-        <p:txBody>
-          <a:bodyPr/>
-          <a:lstStyle/>
-          <a:p>
-            <a:fld id="{4C9BCB9A-1FC9-B141-82B1-F720E2D6C81A}" type="slidenum">
-              <a:rPr lang="de-DE" smtClean="0"/>
-              <a:pPr/>
-              <a:t>6</a:t>
             </a:fld>
             <a:endParaRPr lang="de-DE" dirty="0"/>
           </a:p>
@@ -14582,6 +14448,140 @@
     <p:bldLst>
       <p:bldP spid="4" grpId="0" build="p"/>
     </p:bldLst>
+  </p:timing>
+</p:sld>
+</file>
+
+<file path=ppt/slides/slide6.xml><?xml version="1.0" encoding="utf-8"?>
+<p:sld xmlns:a="http://schemas.openxmlformats.org/drawingml/2006/main" xmlns:r="http://schemas.openxmlformats.org/officeDocument/2006/relationships" xmlns:p="http://schemas.openxmlformats.org/presentationml/2006/main">
+  <p:cSld>
+    <p:spTree>
+      <p:nvGrpSpPr>
+        <p:cNvPr id="1" name=""/>
+        <p:cNvGrpSpPr/>
+        <p:nvPr/>
+      </p:nvGrpSpPr>
+      <p:grpSpPr>
+        <a:xfrm>
+          <a:off x="0" y="0"/>
+          <a:ext cx="0" cy="0"/>
+          <a:chOff x="0" y="0"/>
+          <a:chExt cx="0" cy="0"/>
+        </a:xfrm>
+      </p:grpSpPr>
+      <p:sp>
+        <p:nvSpPr>
+          <p:cNvPr id="2" name="Foliennummernplatzhalter 1">
+            <a:extLst>
+              <a:ext uri="{FF2B5EF4-FFF2-40B4-BE49-F238E27FC236}">
+                <a16:creationId xmlns:a16="http://schemas.microsoft.com/office/drawing/2014/main" id="{8F697C47-A182-C146-BC1E-03C534FD55B8}"/>
+              </a:ext>
+            </a:extLst>
+          </p:cNvPr>
+          <p:cNvSpPr>
+            <a:spLocks noGrp="1"/>
+          </p:cNvSpPr>
+          <p:nvPr>
+            <p:ph type="sldNum" sz="quarter" idx="10"/>
+          </p:nvPr>
+        </p:nvSpPr>
+        <p:spPr/>
+        <p:txBody>
+          <a:bodyPr/>
+          <a:lstStyle/>
+          <a:p>
+            <a:fld id="{4C9BCB9A-1FC9-B141-82B1-F720E2D6C81A}" type="slidenum">
+              <a:rPr lang="de-DE" smtClean="0"/>
+              <a:pPr/>
+              <a:t>6</a:t>
+            </a:fld>
+            <a:endParaRPr lang="de-DE" dirty="0"/>
+          </a:p>
+        </p:txBody>
+      </p:sp>
+      <p:sp>
+        <p:nvSpPr>
+          <p:cNvPr id="3" name="Textplatzhalter 2">
+            <a:extLst>
+              <a:ext uri="{FF2B5EF4-FFF2-40B4-BE49-F238E27FC236}">
+                <a16:creationId xmlns:a16="http://schemas.microsoft.com/office/drawing/2014/main" id="{57E923F8-5CFF-3347-ACB7-7478B6D4BB6E}"/>
+              </a:ext>
+            </a:extLst>
+          </p:cNvPr>
+          <p:cNvSpPr>
+            <a:spLocks noGrp="1"/>
+          </p:cNvSpPr>
+          <p:nvPr>
+            <p:ph type="body" sz="quarter" idx="17"/>
+          </p:nvPr>
+        </p:nvSpPr>
+        <p:spPr/>
+        <p:txBody>
+          <a:bodyPr/>
+          <a:lstStyle/>
+          <a:p>
+            <a:r>
+              <a:rPr lang="en-US" sz="3200" dirty="0"/>
+              <a:t>The </a:t>
+            </a:r>
+            <a:r>
+              <a:rPr lang="en-US" sz="3200" dirty="0" smtClean="0"/>
+              <a:t>course webpage</a:t>
+            </a:r>
+            <a:endParaRPr lang="de-DE" sz="3200" dirty="0"/>
+          </a:p>
+        </p:txBody>
+      </p:sp>
+      <p:sp>
+        <p:nvSpPr>
+          <p:cNvPr id="4" name="Textplatzhalter 3">
+            <a:extLst>
+              <a:ext uri="{FF2B5EF4-FFF2-40B4-BE49-F238E27FC236}">
+                <a16:creationId xmlns:a16="http://schemas.microsoft.com/office/drawing/2014/main" id="{3CE0DFEF-2098-294D-A052-7E066037F4A0}"/>
+              </a:ext>
+            </a:extLst>
+          </p:cNvPr>
+          <p:cNvSpPr>
+            <a:spLocks noGrp="1"/>
+          </p:cNvSpPr>
+          <p:nvPr>
+            <p:ph type="body" sz="quarter" idx="18"/>
+          </p:nvPr>
+        </p:nvSpPr>
+        <p:spPr/>
+        <p:txBody>
+          <a:bodyPr/>
+          <a:lstStyle/>
+          <a:p>
+            <a:pPr marL="0" indent="0">
+              <a:buNone/>
+            </a:pPr>
+            <a:r>
+              <a:rPr lang="en-US" dirty="0">
+                <a:hlinkClick r:id="rId2"/>
+              </a:rPr>
+              <a:t>https://idiv-biodiversity.github.io/yDiv_building_packages_Rstudio_GitHub/</a:t>
+            </a:r>
+            <a:endParaRPr lang="de-DE" dirty="0"/>
+          </a:p>
+        </p:txBody>
+      </p:sp>
+    </p:spTree>
+    <p:extLst>
+      <p:ext uri="{BB962C8B-B14F-4D97-AF65-F5344CB8AC3E}">
+        <p14:creationId xmlns:p14="http://schemas.microsoft.com/office/powerpoint/2010/main" val="4259105521"/>
+      </p:ext>
+    </p:extLst>
+  </p:cSld>
+  <p:clrMapOvr>
+    <a:masterClrMapping/>
+  </p:clrMapOvr>
+  <p:timing>
+    <p:tnLst>
+      <p:par>
+        <p:cTn id="1" dur="indefinite" restart="never" nodeType="tmRoot"/>
+      </p:par>
+    </p:tnLst>
   </p:timing>
 </p:sld>
 </file>
